--- a/Slides/DevelopingWithTheSmartPlayerAPI_Mar13.pptx
+++ b/Slides/DevelopingWithTheSmartPlayerAPI_Mar13.pptx
@@ -24402,8 +24402,8 @@
         </p:nvSpPr>
         <p:spPr>
           <a:xfrm>
-            <a:off x="3923217" y="7874000"/>
-            <a:ext cx="9542246" cy="1015663"/>
+            <a:off x="2351773" y="8150999"/>
+            <a:ext cx="12685133" cy="553998"/>
           </a:xfrm>
           <a:prstGeom prst="rect">
             <a:avLst/>
@@ -24425,11 +24425,38 @@
               <a:rPr lang="en-US" dirty="0">
                 <a:hlinkClick r:id="rId3"/>
               </a:rPr>
-              <a:t>http://docs.brightcove.com/en/player/</a:t>
-            </a:r>
-            <a:endParaRPr lang="en-US" dirty="0"/>
-          </a:p>
-          <a:p>
+              <a:t>http://</a:t>
+            </a:r>
+            <a:r>
+              <a:rPr lang="en-US" dirty="0" err="1">
+                <a:hlinkClick r:id="rId3"/>
+              </a:rPr>
+              <a:t>docs.brightcove.com</a:t>
+            </a:r>
+            <a:r>
+              <a:rPr lang="en-US" dirty="0">
+                <a:hlinkClick r:id="rId3"/>
+              </a:rPr>
+              <a:t>/en/smart-player-</a:t>
+            </a:r>
+            <a:r>
+              <a:rPr lang="en-US" dirty="0" err="1">
+                <a:hlinkClick r:id="rId3"/>
+              </a:rPr>
+              <a:t>api</a:t>
+            </a:r>
+            <a:r>
+              <a:rPr lang="en-US" dirty="0">
+                <a:hlinkClick r:id="rId3"/>
+              </a:rPr>
+              <a:t>/</a:t>
+            </a:r>
+            <a:r>
+              <a:rPr lang="en-US" dirty="0" err="1">
+                <a:hlinkClick r:id="rId3"/>
+              </a:rPr>
+              <a:t>index.html</a:t>
+            </a:r>
             <a:endParaRPr lang="en-US" dirty="0"/>
           </a:p>
         </p:txBody>

--- a/Slides/DevelopingWithTheSmartPlayerAPI_Mar13.pptx
+++ b/Slides/DevelopingWithTheSmartPlayerAPI_Mar13.pptx
@@ -1167,7 +1167,6 @@
             <a:rPr lang="en-US" dirty="0" smtClean="0"/>
             <a:t>Call to Action</a:t>
           </a:r>
-          <a:endParaRPr lang="en-US" dirty="0" smtClean="0"/>
         </a:p>
       </dgm:t>
     </dgm:pt>
@@ -1218,7 +1217,6 @@
             <a:rPr lang="en-US" dirty="0" smtClean="0"/>
             <a:t>Updating Media</a:t>
           </a:r>
-          <a:endParaRPr lang="en-US" dirty="0" smtClean="0"/>
         </a:p>
       </dgm:t>
     </dgm:pt>
@@ -2260,7 +2258,6 @@
             <a:rPr lang="en-US" sz="3100" kern="1200" dirty="0" smtClean="0"/>
             <a:t>Call to Action</a:t>
           </a:r>
-          <a:endParaRPr lang="en-US" sz="3100" kern="1200" dirty="0" smtClean="0"/>
         </a:p>
       </dsp:txBody>
       <dsp:txXfrm rot="10800000">
@@ -2387,7 +2384,6 @@
             <a:rPr lang="en-US" sz="3100" kern="1200" dirty="0" smtClean="0"/>
             <a:t>Updating Media</a:t>
           </a:r>
-          <a:endParaRPr lang="en-US" sz="3100" kern="1200" dirty="0" smtClean="0"/>
         </a:p>
       </dsp:txBody>
       <dsp:txXfrm rot="10800000">
@@ -3725,7 +3721,7 @@
             <a:fld id="{DDC063FE-8627-9A42-970F-0BBEEB02B587}" type="datetimeFigureOut">
               <a:rPr lang="en-US" smtClean="0"/>
               <a:pPr/>
-              <a:t>3/12/13</a:t>
+              <a:t>3/15/13</a:t>
             </a:fld>
             <a:endParaRPr lang="en-US"/>
           </a:p>
@@ -5557,13 +5553,7 @@
               <a:rPr lang="en-US" dirty="0" smtClean="0">
                 <a:ea typeface="ＭＳ Ｐゴシック"/>
               </a:rPr>
-              <a:t> </a:t>
-            </a:r>
-            <a:r>
-              <a:rPr lang="en-US" dirty="0" smtClean="0">
-                <a:ea typeface="ＭＳ Ｐゴシック"/>
-              </a:rPr>
-              <a:t>What are the instructions to restart the sandbox</a:t>
+              <a:t> What are the instructions to restart the sandbox</a:t>
             </a:r>
           </a:p>
         </p:txBody>
@@ -12704,39 +12694,26 @@
                   <a:schemeClr val="tx1"/>
                 </a:solidFill>
               </a:rPr>
-              <a:t>Specify the </a:t>
-            </a:r>
+              <a:t>Specify the template Load and Ready event listeners</a:t>
+            </a:r>
+          </a:p>
+          <a:p>
+            <a:pPr eaLnBrk="1" hangingPunct="1"/>
             <a:r>
               <a:rPr lang="en-US" sz="3000" dirty="0" smtClean="0">
                 <a:solidFill>
                   <a:schemeClr val="tx1"/>
                 </a:solidFill>
               </a:rPr>
-              <a:t>t</a:t>
-            </a:r>
-            <a:r>
-              <a:rPr lang="en-US" sz="3000" dirty="0" smtClean="0">
+              <a:t>In </a:t>
+            </a:r>
+            <a:r>
+              <a:rPr lang="en-US" sz="3000" dirty="0">
                 <a:solidFill>
                   <a:schemeClr val="tx1"/>
                 </a:solidFill>
               </a:rPr>
-              <a:t>emplate Load and Ready </a:t>
-            </a:r>
-            <a:r>
-              <a:rPr lang="en-US" sz="3000" dirty="0" smtClean="0">
-                <a:solidFill>
-                  <a:schemeClr val="tx1"/>
-                </a:solidFill>
-              </a:rPr>
-              <a:t>event </a:t>
-            </a:r>
-            <a:r>
-              <a:rPr lang="en-US" sz="3000" dirty="0" smtClean="0">
-                <a:solidFill>
-                  <a:schemeClr val="tx1"/>
-                </a:solidFill>
-              </a:rPr>
-              <a:t>listeners</a:t>
+              <a:t>JavaScript:</a:t>
             </a:r>
             <a:endParaRPr lang="en-US" sz="3000" dirty="0" smtClean="0">
               <a:solidFill>
@@ -12745,14 +12722,14 @@
             </a:endParaRPr>
           </a:p>
           <a:p>
-            <a:pPr eaLnBrk="1" hangingPunct="1"/>
+            <a:pPr lvl="1" eaLnBrk="1" hangingPunct="1"/>
             <a:r>
               <a:rPr lang="en-US" sz="3000" dirty="0" smtClean="0">
                 <a:solidFill>
                   <a:schemeClr val="tx1"/>
                 </a:solidFill>
               </a:rPr>
-              <a:t>In </a:t>
+              <a:t>Set </a:t>
             </a:r>
             <a:r>
               <a:rPr lang="en-US" sz="3000" dirty="0">
@@ -12760,47 +12737,15 @@
                   <a:schemeClr val="tx1"/>
                 </a:solidFill>
               </a:rPr>
-              <a:t>JavaScript:</a:t>
-            </a:r>
-            <a:endParaRPr lang="en-US" sz="3000" dirty="0" smtClean="0">
-              <a:solidFill>
-                <a:schemeClr val="tx1"/>
-              </a:solidFill>
-            </a:endParaRPr>
-          </a:p>
-          <a:p>
-            <a:pPr lvl="1" eaLnBrk="1" hangingPunct="1"/>
-            <a:r>
-              <a:rPr lang="en-US" sz="3000" dirty="0" smtClean="0">
+              <a:t>up </a:t>
+            </a:r>
+            <a:r>
+              <a:rPr lang="en-US" sz="3000" dirty="0" err="1" smtClean="0">
                 <a:solidFill>
                   <a:schemeClr val="tx1"/>
                 </a:solidFill>
               </a:rPr>
-              <a:t>Set </a:t>
-            </a:r>
-            <a:r>
-              <a:rPr lang="en-US" sz="3000" dirty="0">
-                <a:solidFill>
-                  <a:schemeClr val="tx1"/>
-                </a:solidFill>
-              </a:rPr>
-              <a:t>up </a:t>
-            </a:r>
-            <a:r>
-              <a:rPr lang="en-US" sz="3000" dirty="0" err="1" smtClean="0">
-                <a:solidFill>
-                  <a:schemeClr val="tx1"/>
-                </a:solidFill>
-              </a:rPr>
-              <a:t>onTemplate</a:t>
-            </a:r>
-            <a:r>
-              <a:rPr lang="en-US" sz="3000" dirty="0" err="1" smtClean="0">
-                <a:solidFill>
-                  <a:schemeClr val="tx1"/>
-                </a:solidFill>
-              </a:rPr>
-              <a:t>Load</a:t>
+              <a:t>onTemplateLoad</a:t>
             </a:r>
             <a:r>
               <a:rPr lang="en-US" sz="3000" dirty="0" smtClean="0">
@@ -14771,7 +14716,6 @@
               <a:rPr lang="en-US" dirty="0" smtClean="0"/>
               <a:t>Initial Event Handlers</a:t>
             </a:r>
-            <a:endParaRPr lang="en-US" dirty="0" smtClean="0"/>
           </a:p>
         </p:txBody>
       </p:sp>
@@ -14887,7 +14831,6 @@
               <a:rPr lang="en-US" dirty="0" smtClean="0"/>
               <a:t>Accessing Video Data</a:t>
             </a:r>
-            <a:endParaRPr lang="en-US" dirty="0" smtClean="0"/>
           </a:p>
         </p:txBody>
       </p:sp>
@@ -15299,7 +15242,6 @@
               <a:rPr lang="en-US" dirty="0" smtClean="0"/>
               <a:t>Calling Methods</a:t>
             </a:r>
-            <a:endParaRPr lang="en-US" dirty="0" smtClean="0"/>
           </a:p>
         </p:txBody>
       </p:sp>
@@ -15458,7 +15400,6 @@
               <a:rPr lang="en-US" dirty="0" smtClean="0"/>
               <a:t>Adding and Removing Event Listeners</a:t>
             </a:r>
-            <a:endParaRPr lang="en-US" dirty="0" smtClean="0"/>
           </a:p>
         </p:txBody>
       </p:sp>
@@ -16232,7 +16173,6 @@
               <a:rPr lang="en-US" dirty="0" smtClean="0"/>
               <a:t>Event Listeners</a:t>
             </a:r>
-            <a:endParaRPr lang="en-US" dirty="0" smtClean="0"/>
           </a:p>
         </p:txBody>
       </p:sp>
@@ -16649,11 +16589,7 @@
             <a:pPr lvl="1" eaLnBrk="1" hangingPunct="1"/>
             <a:r>
               <a:rPr lang="en-US" sz="3400" dirty="0" smtClean="0"/>
-              <a:t>Captions Module: for retrieving/displaying captions/</a:t>
-            </a:r>
-            <a:r>
-              <a:rPr lang="en-US" sz="3400" dirty="0" smtClean="0"/>
-              <a:t>subtitles</a:t>
+              <a:t>Captions Module: for retrieving/displaying captions/subtitles</a:t>
             </a:r>
           </a:p>
           <a:p>
@@ -18605,11 +18541,7 @@
           <a:p>
             <a:r>
               <a:rPr lang="en-US" dirty="0" smtClean="0"/>
-              <a:t>Retrieving </a:t>
-            </a:r>
-            <a:r>
-              <a:rPr lang="en-US" dirty="0" smtClean="0"/>
-              <a:t>Content from Video Cloud</a:t>
+              <a:t>Retrieving Content from Video Cloud</a:t>
             </a:r>
             <a:endParaRPr lang="en-US" dirty="0"/>
           </a:p>
@@ -18650,11 +18582,7 @@
           <a:p>
             <a:r>
               <a:rPr lang="en-US" sz="3200" dirty="0" smtClean="0"/>
-              <a:t>You need to know the IDs (or reference </a:t>
-            </a:r>
-            <a:r>
-              <a:rPr lang="en-US" sz="3200" dirty="0" smtClean="0"/>
-              <a:t>IDs) of the content you want</a:t>
+              <a:t>You need to know the IDs (or reference IDs) of the content you want</a:t>
             </a:r>
             <a:endParaRPr lang="en-US" sz="3200" dirty="0"/>
           </a:p>
@@ -18727,35 +18655,21 @@
                 <a:latin typeface="Source Code Pro"/>
                 <a:cs typeface="Source Code Pro"/>
               </a:rPr>
-              <a:t> </a:t>
+              <a:t> /</a:t>
+            </a:r>
+            <a:r>
+              <a:rPr lang="en-US" sz="3200" dirty="0">
+                <a:latin typeface="Source Code Pro"/>
+                <a:cs typeface="Source Code Pro"/>
+              </a:rPr>
+              <a:t>*</a:t>
             </a:r>
             <a:r>
               <a:rPr lang="en-US" sz="3200" dirty="0" smtClean="0">
                 <a:latin typeface="Source Code Pro"/>
                 <a:cs typeface="Source Code Pro"/>
               </a:rPr>
-              <a:t>/</a:t>
-            </a:r>
-            <a:r>
-              <a:rPr lang="en-US" sz="3200" dirty="0">
-                <a:latin typeface="Source Code Pro"/>
-                <a:cs typeface="Source Code Pro"/>
-              </a:rPr>
-              <a:t>*</a:t>
-            </a:r>
-            <a:r>
-              <a:rPr lang="en-US" sz="3200" dirty="0" smtClean="0">
-                <a:latin typeface="Source Code Pro"/>
-                <a:cs typeface="Source Code Pro"/>
-              </a:rPr>
-              <a:t> using the same technique as in the previous </a:t>
-            </a:r>
-            <a:r>
-              <a:rPr lang="en-US" sz="3200" dirty="0" smtClean="0">
-                <a:latin typeface="Source Code Pro"/>
-                <a:cs typeface="Source Code Pro"/>
-              </a:rPr>
-              <a:t>example, we </a:t>
+              <a:t> using the same technique as in the previous example, we </a:t>
             </a:r>
           </a:p>
           <a:p>
@@ -18793,14 +18707,7 @@
                 <a:latin typeface="Source Code Pro"/>
                 <a:cs typeface="Source Code Pro"/>
               </a:rPr>
-              <a:t> Handlebars is useful f</a:t>
-            </a:r>
-            <a:r>
-              <a:rPr lang="en-US" sz="3200" dirty="0" smtClean="0">
-                <a:latin typeface="Source Code Pro"/>
-                <a:cs typeface="Source Code Pro"/>
-              </a:rPr>
-              <a:t>or this */</a:t>
+              <a:t> Handlebars is useful for this */</a:t>
             </a:r>
           </a:p>
           <a:p>
@@ -18938,7 +18845,6 @@
               <a:rPr lang="en-US" dirty="0" smtClean="0"/>
               <a:t>The Example</a:t>
             </a:r>
-            <a:endParaRPr lang="en-US" dirty="0" smtClean="0"/>
           </a:p>
         </p:txBody>
       </p:sp>
@@ -19155,7 +19061,6 @@
               <a:rPr lang="en-US" sz="3700" dirty="0" smtClean="0"/>
               <a:t>experience</a:t>
             </a:r>
-            <a:endParaRPr lang="en-US" sz="3700" dirty="0" smtClean="0"/>
           </a:p>
         </p:txBody>
       </p:sp>
@@ -19509,7 +19414,6 @@
               <a:rPr lang="en-US" dirty="0" smtClean="0"/>
               <a:t>Chaptered Video</a:t>
             </a:r>
-            <a:endParaRPr lang="en-US" dirty="0" smtClean="0"/>
           </a:p>
         </p:txBody>
       </p:sp>
@@ -19810,14 +19714,12 @@
               <a:rPr lang="en-US" dirty="0" smtClean="0"/>
               <a:t>For the example here, we used the Visual Cue Point editor in Studio to create the cue points</a:t>
             </a:r>
-            <a:endParaRPr lang="en-US" dirty="0" smtClean="0"/>
           </a:p>
           <a:p>
             <a:r>
               <a:rPr lang="en-US" dirty="0" smtClean="0"/>
               <a:t>We used the name field to record the chapter name</a:t>
             </a:r>
-            <a:endParaRPr lang="en-US" dirty="0" smtClean="0"/>
           </a:p>
           <a:p>
             <a:r>
@@ -20884,7 +20786,6 @@
               <a:rPr lang="en-US" dirty="0" smtClean="0"/>
               <a:t>– these are used as the names</a:t>
             </a:r>
-            <a:endParaRPr lang="en-US" dirty="0" smtClean="0"/>
           </a:p>
           <a:p>
             <a:pPr lvl="1"/>
@@ -21597,23 +21498,7 @@
                   <a:schemeClr val="tx1"/>
                 </a:solidFill>
               </a:rPr>
-              <a:t>, Sublime </a:t>
-            </a:r>
-            <a:r>
-              <a:rPr lang="en-US" sz="3000" dirty="0" smtClean="0">
-                <a:solidFill>
-                  <a:schemeClr val="tx1"/>
-                </a:solidFill>
-              </a:rPr>
-              <a:t>Text</a:t>
-            </a:r>
-            <a:r>
-              <a:rPr lang="en-US" sz="3000" dirty="0" smtClean="0">
-                <a:solidFill>
-                  <a:schemeClr val="tx1"/>
-                </a:solidFill>
-              </a:rPr>
-              <a:t>, </a:t>
+              <a:t>, Sublime Text, </a:t>
             </a:r>
             <a:r>
               <a:rPr lang="en-US" sz="3000" dirty="0">
@@ -22786,7 +22671,6 @@
               <a:rPr lang="en-US" dirty="0" smtClean="0"/>
               <a:t>What’s Next</a:t>
             </a:r>
-            <a:endParaRPr lang="en-US" dirty="0" smtClean="0"/>
           </a:p>
           <a:p>
             <a:endParaRPr lang="en-US" dirty="0"/>
@@ -22928,7 +22812,6 @@
               <a:rPr lang="en-US" sz="3400" dirty="0" smtClean="0"/>
               <a:t>Includes a Developer forum with a section specifically on the Smart Player API</a:t>
             </a:r>
-            <a:endParaRPr lang="en-US" sz="3400" dirty="0" smtClean="0"/>
           </a:p>
         </p:txBody>
       </p:sp>
@@ -23145,11 +23028,7 @@
             </a:r>
             <a:r>
               <a:rPr lang="en-US" sz="3000" dirty="0" smtClean="0"/>
-              <a:t> </a:t>
-            </a:r>
-            <a:r>
-              <a:rPr lang="en-US" sz="3000" dirty="0" smtClean="0"/>
-              <a:t>for all examples</a:t>
+              <a:t> for all examples</a:t>
             </a:r>
             <a:endParaRPr lang="en-US" sz="3000" dirty="0"/>
           </a:p>
@@ -23298,11 +23177,7 @@
             <a:pPr lvl="1"/>
             <a:r>
               <a:rPr lang="en-US" sz="3000" dirty="0" smtClean="0"/>
-              <a:t>Instead, let the Smart Players do their job by loading the Flash or HTML5 player automatically according to the </a:t>
-            </a:r>
-            <a:r>
-              <a:rPr lang="en-US" sz="3000" dirty="0" smtClean="0"/>
-              <a:t>context</a:t>
+              <a:t>Instead, let the Smart Players do their job by loading the Flash or HTML5 player automatically according to the context</a:t>
             </a:r>
           </a:p>
           <a:p>
@@ -23934,12 +23809,6 @@
                 </a:rPr>
                 <a:t>High level functional classes</a:t>
               </a:r>
-              <a:endParaRPr lang="en-US" sz="2000" dirty="0" smtClean="0">
-                <a:solidFill>
-                  <a:schemeClr val="bg1"/>
-                </a:solidFill>
-                <a:cs typeface="ＭＳ Ｐゴシック"/>
-              </a:endParaRPr>
             </a:p>
           </p:txBody>
         </p:sp>
